--- a/Entfernungsmesser/Entfernungsmesser.pptx
+++ b/Entfernungsmesser/Entfernungsmesser.pptx
@@ -3965,7 +3965,7 @@
       </p:pic>
       <p:pic>
         <p:nvPicPr>
-          <p:cNvPr id="12" name="Grafik 11"/>
+          <p:cNvPr id="7" name="Grafik 6"/>
           <p:cNvPicPr>
             <a:picLocks noChangeAspect="1"/>
           </p:cNvPicPr>
@@ -3985,8 +3985,8 @@
         </p:blipFill>
         <p:spPr>
           <a:xfrm>
-            <a:off x="4715219" y="3737704"/>
-            <a:ext cx="1586007" cy="867347"/>
+            <a:off x="4741765" y="3710664"/>
+            <a:ext cx="1480270" cy="732461"/>
           </a:xfrm>
           <a:prstGeom prst="rect">
             <a:avLst/>

--- a/Entfernungsmesser/Entfernungsmesser.pptx
+++ b/Entfernungsmesser/Entfernungsmesser.pptx
@@ -5,12 +5,11 @@
     <p:sldMasterId id="2147483660" r:id="rId1"/>
   </p:sldMasterIdLst>
   <p:notesMasterIdLst>
-    <p:notesMasterId r:id="rId5"/>
+    <p:notesMasterId r:id="rId4"/>
   </p:notesMasterIdLst>
   <p:sldIdLst>
     <p:sldId id="272" r:id="rId2"/>
-    <p:sldId id="278" r:id="rId3"/>
-    <p:sldId id="279" r:id="rId4"/>
+    <p:sldId id="279" r:id="rId3"/>
   </p:sldIdLst>
   <p:sldSz cx="6858000" cy="9906000" type="A4"/>
   <p:notesSz cx="6858000" cy="9144000"/>
@@ -202,7 +201,7 @@
           <a:p>
             <a:fld id="{DD7A25D8-F173-4133-85F8-CB962D678EB5}" type="datetimeFigureOut">
               <a:rPr lang="de-DE" smtClean="0"/>
-              <a:t>07.01.2019</a:t>
+              <a:t>09.01.2019</a:t>
             </a:fld>
             <a:endParaRPr lang="de-DE"/>
           </a:p>
@@ -601,7 +600,7 @@
           <a:p>
             <a:fld id="{FC9269F9-6F79-4414-A84E-D81C6C443C37}" type="datetimeFigureOut">
               <a:rPr lang="de-DE" smtClean="0"/>
-              <a:t>07.01.2019</a:t>
+              <a:t>09.01.2019</a:t>
             </a:fld>
             <a:endParaRPr lang="de-DE"/>
           </a:p>
@@ -1704,7 +1703,7 @@
           <a:p>
             <a:fld id="{FC9269F9-6F79-4414-A84E-D81C6C443C37}" type="datetimeFigureOut">
               <a:rPr lang="de-DE" smtClean="0"/>
-              <a:t>07.01.2019</a:t>
+              <a:t>09.01.2019</a:t>
             </a:fld>
             <a:endParaRPr lang="de-DE"/>
           </a:p>
@@ -2159,7 +2158,7 @@
           <a:p>
             <a:fld id="{FC9269F9-6F79-4414-A84E-D81C6C443C37}" type="datetimeFigureOut">
               <a:rPr lang="de-DE" smtClean="0"/>
-              <a:t>07.01.2019</a:t>
+              <a:t>09.01.2019</a:t>
             </a:fld>
             <a:endParaRPr lang="de-DE"/>
           </a:p>
@@ -2973,7 +2972,7 @@
           <a:p>
             <a:fld id="{FC9269F9-6F79-4414-A84E-D81C6C443C37}" type="datetimeFigureOut">
               <a:rPr lang="de-DE" smtClean="0"/>
-              <a:t>07.01.2019</a:t>
+              <a:t>09.01.2019</a:t>
             </a:fld>
             <a:endParaRPr lang="de-DE"/>
           </a:p>
@@ -3205,7 +3204,7 @@
           <a:p>
             <a:fld id="{FC9269F9-6F79-4414-A84E-D81C6C443C37}" type="datetimeFigureOut">
               <a:rPr lang="de-DE" smtClean="0"/>
-              <a:t>07.01.2019</a:t>
+              <a:t>09.01.2019</a:t>
             </a:fld>
             <a:endParaRPr lang="de-DE"/>
           </a:p>
@@ -3425,7 +3424,7 @@
           <a:p>
             <a:fld id="{FC9269F9-6F79-4414-A84E-D81C6C443C37}" type="datetimeFigureOut">
               <a:rPr lang="de-DE" smtClean="0"/>
-              <a:t>07.01.2019</a:t>
+              <a:t>09.01.2019</a:t>
             </a:fld>
             <a:endParaRPr lang="de-DE"/>
           </a:p>
@@ -4014,263 +4013,6 @@
 </file>
 
 <file path=ppt/slides/slide2.xml><?xml version="1.0" encoding="utf-8"?>
-<p:sld xmlns:a="http://schemas.openxmlformats.org/drawingml/2006/main" xmlns:r="http://schemas.openxmlformats.org/officeDocument/2006/relationships" xmlns:p="http://schemas.openxmlformats.org/presentationml/2006/main">
-  <p:cSld>
-    <p:spTree>
-      <p:nvGrpSpPr>
-        <p:cNvPr id="1" name=""/>
-        <p:cNvGrpSpPr/>
-        <p:nvPr/>
-      </p:nvGrpSpPr>
-      <p:grpSpPr>
-        <a:xfrm>
-          <a:off x="0" y="0"/>
-          <a:ext cx="0" cy="0"/>
-          <a:chOff x="0" y="0"/>
-          <a:chExt cx="0" cy="0"/>
-        </a:xfrm>
-      </p:grpSpPr>
-      <p:sp>
-        <p:nvSpPr>
-          <p:cNvPr id="7" name="Titel 6"/>
-          <p:cNvSpPr>
-            <a:spLocks noGrp="1"/>
-          </p:cNvSpPr>
-          <p:nvPr>
-            <p:ph type="title"/>
-          </p:nvPr>
-        </p:nvSpPr>
-        <p:spPr/>
-        <p:txBody>
-          <a:bodyPr/>
-          <a:lstStyle/>
-          <a:p>
-            <a:r>
-              <a:rPr lang="de-DE" dirty="0"/>
-              <a:t>Entfernungsmesser</a:t>
-            </a:r>
-          </a:p>
-        </p:txBody>
-      </p:sp>
-      <p:sp>
-        <p:nvSpPr>
-          <p:cNvPr id="8" name="Bildplatzhalter 7"/>
-          <p:cNvSpPr>
-            <a:spLocks noGrp="1"/>
-          </p:cNvSpPr>
-          <p:nvPr>
-            <p:ph type="pic" sz="quarter" idx="13"/>
-          </p:nvPr>
-        </p:nvSpPr>
-        <p:spPr/>
-      </p:sp>
-      <p:sp>
-        <p:nvSpPr>
-          <p:cNvPr id="9" name="Inhaltsplatzhalter 8"/>
-          <p:cNvSpPr>
-            <a:spLocks noGrp="1"/>
-          </p:cNvSpPr>
-          <p:nvPr>
-            <p:ph sz="quarter" idx="14"/>
-          </p:nvPr>
-        </p:nvSpPr>
-        <p:spPr>
-          <a:xfrm>
-            <a:off x="467999" y="6345003"/>
-            <a:ext cx="5915025" cy="2393752"/>
-          </a:xfrm>
-        </p:spPr>
-        <p:txBody>
-          <a:bodyPr/>
-          <a:lstStyle/>
-          <a:p>
-            <a:pPr marL="0" indent="0">
-              <a:buNone/>
-            </a:pPr>
-            <a:r>
-              <a:rPr lang="de-DE" b="1" dirty="0"/>
-              <a:t>Hinweis</a:t>
-            </a:r>
-            <a:endParaRPr lang="de-DE" dirty="0" smtClean="0"/>
-          </a:p>
-          <a:p>
-            <a:r>
-              <a:rPr lang="de-DE" dirty="0" smtClean="0"/>
-              <a:t>Das </a:t>
-            </a:r>
-            <a:r>
-              <a:rPr lang="de-DE" dirty="0"/>
-              <a:t>Zeichen „-“ nach „zeige Nummer“ hilft, auf dem LED-Display die Zahl besser zu erkennen (Ende des Lauftextes).</a:t>
-            </a:r>
-          </a:p>
-        </p:txBody>
-      </p:sp>
-      <p:sp>
-        <p:nvSpPr>
-          <p:cNvPr id="10" name="Bildplatzhalter 9"/>
-          <p:cNvSpPr>
-            <a:spLocks noGrp="1"/>
-          </p:cNvSpPr>
-          <p:nvPr>
-            <p:ph type="pic" sz="quarter" idx="15"/>
-          </p:nvPr>
-        </p:nvSpPr>
-        <p:spPr/>
-      </p:sp>
-      <p:pic>
-        <p:nvPicPr>
-          <p:cNvPr id="12" name="Grafik 11"/>
-          <p:cNvPicPr/>
-          <p:nvPr/>
-        </p:nvPicPr>
-        <p:blipFill>
-          <a:blip r:embed="rId2">
-            <a:extLst>
-              <a:ext uri="{28A0092B-C50C-407E-A947-70E740481C1C}">
-                <a14:useLocalDpi xmlns:a14="http://schemas.microsoft.com/office/drawing/2010/main" val="0"/>
-              </a:ext>
-            </a:extLst>
-          </a:blip>
-          <a:stretch>
-            <a:fillRect/>
-          </a:stretch>
-        </p:blipFill>
-        <p:spPr>
-          <a:xfrm>
-            <a:off x="4080084" y="2324875"/>
-            <a:ext cx="1733550" cy="274320"/>
-          </a:xfrm>
-          <a:prstGeom prst="rect">
-            <a:avLst/>
-          </a:prstGeom>
-        </p:spPr>
-      </p:pic>
-      <p:pic>
-        <p:nvPicPr>
-          <p:cNvPr id="13" name="Grafik 12"/>
-          <p:cNvPicPr/>
-          <p:nvPr/>
-        </p:nvPicPr>
-        <p:blipFill>
-          <a:blip r:embed="rId3">
-            <a:extLst>
-              <a:ext uri="{28A0092B-C50C-407E-A947-70E740481C1C}">
-                <a14:useLocalDpi xmlns:a14="http://schemas.microsoft.com/office/drawing/2010/main" val="0"/>
-              </a:ext>
-            </a:extLst>
-          </a:blip>
-          <a:stretch>
-            <a:fillRect/>
-          </a:stretch>
-        </p:blipFill>
-        <p:spPr>
-          <a:xfrm>
-            <a:off x="2280548" y="2326145"/>
-            <a:ext cx="1724025" cy="273050"/>
-          </a:xfrm>
-          <a:prstGeom prst="rect">
-            <a:avLst/>
-          </a:prstGeom>
-        </p:spPr>
-      </p:pic>
-      <p:pic>
-        <p:nvPicPr>
-          <p:cNvPr id="11" name="Grafik 10"/>
-          <p:cNvPicPr/>
-          <p:nvPr/>
-        </p:nvPicPr>
-        <p:blipFill>
-          <a:blip r:embed="rId4">
-            <a:extLst>
-              <a:ext uri="{28A0092B-C50C-407E-A947-70E740481C1C}">
-                <a14:useLocalDpi xmlns:a14="http://schemas.microsoft.com/office/drawing/2010/main" val="0"/>
-              </a:ext>
-            </a:extLst>
-          </a:blip>
-          <a:stretch>
-            <a:fillRect/>
-          </a:stretch>
-        </p:blipFill>
-        <p:spPr>
-          <a:xfrm>
-            <a:off x="477837" y="2326145"/>
-            <a:ext cx="1727200" cy="546100"/>
-          </a:xfrm>
-          <a:prstGeom prst="rect">
-            <a:avLst/>
-          </a:prstGeom>
-        </p:spPr>
-      </p:pic>
-      <p:pic>
-        <p:nvPicPr>
-          <p:cNvPr id="16" name="Grafik 15"/>
-          <p:cNvPicPr/>
-          <p:nvPr/>
-        </p:nvPicPr>
-        <p:blipFill>
-          <a:blip r:embed="rId5">
-            <a:extLst>
-              <a:ext uri="{28A0092B-C50C-407E-A947-70E740481C1C}">
-                <a14:useLocalDpi xmlns:a14="http://schemas.microsoft.com/office/drawing/2010/main" val="0"/>
-              </a:ext>
-            </a:extLst>
-          </a:blip>
-          <a:stretch>
-            <a:fillRect/>
-          </a:stretch>
-        </p:blipFill>
-        <p:spPr>
-          <a:xfrm>
-            <a:off x="479016" y="2868543"/>
-            <a:ext cx="1727200" cy="273050"/>
-          </a:xfrm>
-          <a:prstGeom prst="rect">
-            <a:avLst/>
-          </a:prstGeom>
-        </p:spPr>
-      </p:pic>
-      <p:pic>
-        <p:nvPicPr>
-          <p:cNvPr id="17" name="Grafik 16"/>
-          <p:cNvPicPr/>
-          <p:nvPr/>
-        </p:nvPicPr>
-        <p:blipFill>
-          <a:blip r:embed="rId6">
-            <a:extLst>
-              <a:ext uri="{28A0092B-C50C-407E-A947-70E740481C1C}">
-                <a14:useLocalDpi xmlns:a14="http://schemas.microsoft.com/office/drawing/2010/main" val="0"/>
-              </a:ext>
-            </a:extLst>
-          </a:blip>
-          <a:stretch>
-            <a:fillRect/>
-          </a:stretch>
-        </p:blipFill>
-        <p:spPr>
-          <a:xfrm>
-            <a:off x="388565" y="3935937"/>
-            <a:ext cx="3783965" cy="2247900"/>
-          </a:xfrm>
-          <a:prstGeom prst="rect">
-            <a:avLst/>
-          </a:prstGeom>
-        </p:spPr>
-      </p:pic>
-    </p:spTree>
-    <p:extLst>
-      <p:ext uri="{BB962C8B-B14F-4D97-AF65-F5344CB8AC3E}">
-        <p14:creationId xmlns:p14="http://schemas.microsoft.com/office/powerpoint/2010/main" val="1671501299"/>
-      </p:ext>
-    </p:extLst>
-  </p:cSld>
-  <p:clrMapOvr>
-    <a:masterClrMapping/>
-  </p:clrMapOvr>
-</p:sld>
-</file>
-
-<file path=ppt/slides/slide3.xml><?xml version="1.0" encoding="utf-8"?>
 <p:sld xmlns:a="http://schemas.openxmlformats.org/drawingml/2006/main" xmlns:r="http://schemas.openxmlformats.org/officeDocument/2006/relationships" xmlns:p="http://schemas.openxmlformats.org/presentationml/2006/main">
   <p:cSld>
     <p:spTree>

--- a/Entfernungsmesser/Entfernungsmesser.pptx
+++ b/Entfernungsmesser/Entfernungsmesser.pptx
@@ -201,7 +201,7 @@
           <a:p>
             <a:fld id="{DD7A25D8-F173-4133-85F8-CB962D678EB5}" type="datetimeFigureOut">
               <a:rPr lang="de-DE" smtClean="0"/>
-              <a:t>09.01.2019</a:t>
+              <a:t>06.12.2019</a:t>
             </a:fld>
             <a:endParaRPr lang="de-DE"/>
           </a:p>
@@ -265,38 +265,37 @@
           <a:p>
             <a:pPr lvl="0"/>
             <a:r>
-              <a:rPr lang="de-DE" smtClean="0"/>
+              <a:rPr lang="de-DE"/>
               <a:t>Formatvorlagen des Textmasters bearbeiten</a:t>
             </a:r>
           </a:p>
           <a:p>
             <a:pPr lvl="1"/>
             <a:r>
-              <a:rPr lang="de-DE" smtClean="0"/>
+              <a:rPr lang="de-DE"/>
               <a:t>Zweite Ebene</a:t>
             </a:r>
           </a:p>
           <a:p>
             <a:pPr lvl="2"/>
             <a:r>
-              <a:rPr lang="de-DE" smtClean="0"/>
+              <a:rPr lang="de-DE"/>
               <a:t>Dritte Ebene</a:t>
             </a:r>
           </a:p>
           <a:p>
             <a:pPr lvl="3"/>
             <a:r>
-              <a:rPr lang="de-DE" smtClean="0"/>
+              <a:rPr lang="de-DE"/>
               <a:t>Vierte Ebene</a:t>
             </a:r>
           </a:p>
           <a:p>
             <a:pPr lvl="4"/>
             <a:r>
-              <a:rPr lang="de-DE" smtClean="0"/>
+              <a:rPr lang="de-DE"/>
               <a:t>Fünfte Ebene</a:t>
             </a:r>
-            <a:endParaRPr lang="de-DE"/>
           </a:p>
         </p:txBody>
       </p:sp>
@@ -511,7 +510,7 @@
           </a:lstStyle>
           <a:p>
             <a:r>
-              <a:rPr lang="de-DE" smtClean="0"/>
+              <a:rPr lang="de-DE"/>
               <a:t>Titelmasterformat durch Klicken bearbeiten</a:t>
             </a:r>
             <a:endParaRPr lang="en-US" dirty="0"/>
@@ -576,7 +575,7 @@
           </a:lstStyle>
           <a:p>
             <a:r>
-              <a:rPr lang="de-DE" smtClean="0"/>
+              <a:rPr lang="de-DE"/>
               <a:t>Formatvorlage des Untertitelmasters durch Klicken bearbeiten</a:t>
             </a:r>
             <a:endParaRPr lang="en-US" dirty="0"/>
@@ -600,7 +599,7 @@
           <a:p>
             <a:fld id="{FC9269F9-6F79-4414-A84E-D81C6C443C37}" type="datetimeFigureOut">
               <a:rPr lang="de-DE" smtClean="0"/>
-              <a:t>09.01.2019</a:t>
+              <a:t>06.12.2019</a:t>
             </a:fld>
             <a:endParaRPr lang="de-DE"/>
           </a:p>
@@ -658,13 +657,6 @@
   <p:clrMapOvr>
     <a:masterClrMapping/>
   </p:clrMapOvr>
-  <p:timing>
-    <p:tnLst>
-      <p:par>
-        <p:cTn id="1" dur="indefinite" restart="never" nodeType="tmRoot"/>
-      </p:par>
-    </p:tnLst>
-  </p:timing>
 </p:sldLayout>
 </file>
 
@@ -807,7 +799,7 @@
           </a:lstStyle>
           <a:p>
             <a:r>
-              <a:rPr lang="de-DE" dirty="0" smtClean="0"/>
+              <a:rPr lang="de-DE" dirty="0"/>
               <a:t>Titelmasterformat durch Klicken bearbeiten</a:t>
             </a:r>
             <a:endParaRPr lang="en-US" dirty="0"/>
@@ -1021,10 +1013,9 @@
           <a:p>
             <a:pPr lvl="0"/>
             <a:r>
-              <a:rPr lang="de-DE" dirty="0" smtClean="0"/>
+              <a:rPr lang="de-DE" dirty="0"/>
               <a:t>Aufgabentext</a:t>
             </a:r>
-            <a:endParaRPr lang="de-DE" dirty="0"/>
           </a:p>
         </p:txBody>
       </p:sp>
@@ -1051,10 +1042,9 @@
           <a:lstStyle/>
           <a:p>
             <a:r>
-              <a:rPr lang="de-DE" b="1" dirty="0" smtClean="0"/>
+              <a:rPr lang="de-DE" b="1" dirty="0"/>
               <a:t>Challenge</a:t>
             </a:r>
-            <a:endParaRPr lang="de-DE" b="1" dirty="0"/>
           </a:p>
         </p:txBody>
       </p:sp>
@@ -1091,10 +1081,9 @@
           <a:p>
             <a:pPr lvl="0"/>
             <a:r>
-              <a:rPr lang="de-DE" dirty="0" smtClean="0"/>
+              <a:rPr lang="de-DE" dirty="0"/>
               <a:t>Schwierigkeitsgrad</a:t>
             </a:r>
-            <a:endParaRPr lang="de-DE" dirty="0"/>
           </a:p>
         </p:txBody>
       </p:sp>
@@ -1131,7 +1120,7 @@
           <a:p>
             <a:pPr lvl="0"/>
             <a:r>
-              <a:rPr lang="de-DE" sz="3200" dirty="0" smtClean="0"/>
+              <a:rPr lang="de-DE" sz="3200" dirty="0"/>
               <a:t>N</a:t>
             </a:r>
             <a:endParaRPr lang="de-DE" dirty="0"/>
@@ -1249,6 +1238,42 @@
           </a:prstGeom>
         </p:spPr>
       </p:pic>
+      <p:pic>
+        <p:nvPicPr>
+          <p:cNvPr id="27" name="Grafik 26">
+            <a:extLst>
+              <a:ext uri="{FF2B5EF4-FFF2-40B4-BE49-F238E27FC236}">
+                <a16:creationId xmlns:a16="http://schemas.microsoft.com/office/drawing/2014/main" id="{72C363C0-0FA4-4EDE-958A-6E256E4C55C6}"/>
+              </a:ext>
+            </a:extLst>
+          </p:cNvPr>
+          <p:cNvPicPr>
+            <a:picLocks noChangeAspect="1"/>
+          </p:cNvPicPr>
+          <p:nvPr userDrawn="1"/>
+        </p:nvPicPr>
+        <p:blipFill>
+          <a:blip r:embed="rId4" cstate="print">
+            <a:extLst>
+              <a:ext uri="{28A0092B-C50C-407E-A947-70E740481C1C}">
+                <a14:useLocalDpi xmlns:a14="http://schemas.microsoft.com/office/drawing/2010/main" val="0"/>
+              </a:ext>
+            </a:extLst>
+          </a:blip>
+          <a:stretch>
+            <a:fillRect/>
+          </a:stretch>
+        </p:blipFill>
+        <p:spPr>
+          <a:xfrm>
+            <a:off x="2074069" y="9092845"/>
+            <a:ext cx="381000" cy="571500"/>
+          </a:xfrm>
+          <a:prstGeom prst="rect">
+            <a:avLst/>
+          </a:prstGeom>
+        </p:spPr>
+      </p:pic>
     </p:spTree>
     <p:extLst>
       <p:ext uri="{BB962C8B-B14F-4D97-AF65-F5344CB8AC3E}">
@@ -1259,13 +1284,6 @@
   <p:clrMapOvr>
     <a:masterClrMapping/>
   </p:clrMapOvr>
-  <p:timing>
-    <p:tnLst>
-      <p:par>
-        <p:cTn id="1" dur="indefinite" restart="never" nodeType="tmRoot"/>
-      </p:par>
-    </p:tnLst>
-  </p:timing>
 </p:sldLayout>
 </file>
 
@@ -1408,7 +1426,7 @@
           </a:lstStyle>
           <a:p>
             <a:r>
-              <a:rPr lang="de-DE" dirty="0" smtClean="0"/>
+              <a:rPr lang="de-DE" dirty="0"/>
               <a:t>Titelmasterformat durch Klicken bearbeiten</a:t>
             </a:r>
             <a:endParaRPr lang="en-US" dirty="0"/>
@@ -1623,13 +1641,6 @@
   <p:clrMapOvr>
     <a:masterClrMapping/>
   </p:clrMapOvr>
-  <p:timing>
-    <p:tnLst>
-      <p:par>
-        <p:cTn id="1" dur="indefinite" restart="never" nodeType="tmRoot"/>
-      </p:par>
-    </p:tnLst>
-  </p:timing>
 </p:sldLayout>
 </file>
 
@@ -1679,10 +1690,9 @@
           </a:lstStyle>
           <a:p>
             <a:r>
-              <a:rPr lang="de-DE" dirty="0" smtClean="0"/>
+              <a:rPr lang="de-DE" dirty="0"/>
               <a:t>Aufgabe</a:t>
             </a:r>
-            <a:endParaRPr lang="de-DE" dirty="0"/>
           </a:p>
         </p:txBody>
       </p:sp>
@@ -1703,7 +1713,7 @@
           <a:p>
             <a:fld id="{FC9269F9-6F79-4414-A84E-D81C6C443C37}" type="datetimeFigureOut">
               <a:rPr lang="de-DE" smtClean="0"/>
-              <a:t>09.01.2019</a:t>
+              <a:t>06.12.2019</a:t>
             </a:fld>
             <a:endParaRPr lang="de-DE"/>
           </a:p>
@@ -1755,14 +1765,11 @@
           <a:lstStyle/>
           <a:p>
             <a:r>
-              <a:rPr lang="de-DE" sz="3600" b="1" dirty="0" smtClean="0">
+              <a:rPr lang="de-DE" sz="3600" b="1" dirty="0">
                 <a:latin typeface="+mn-lt"/>
               </a:rPr>
               <a:t>Lösung</a:t>
             </a:r>
-            <a:endParaRPr lang="de-DE" sz="3600" b="1" dirty="0">
-              <a:latin typeface="+mn-lt"/>
-            </a:endParaRPr>
           </a:p>
         </p:txBody>
       </p:sp>
@@ -1825,10 +1832,9 @@
           <a:lstStyle/>
           <a:p>
             <a:r>
-              <a:rPr lang="de-DE" sz="1200" dirty="0" smtClean="0"/>
+              <a:rPr lang="de-DE" sz="1200" dirty="0"/>
               <a:t>Verwendete Befehlsgruppen</a:t>
             </a:r>
-            <a:endParaRPr lang="de-DE" sz="1200" dirty="0"/>
           </a:p>
         </p:txBody>
       </p:sp>
@@ -1915,10 +1921,9 @@
           <a:lstStyle/>
           <a:p>
             <a:r>
-              <a:rPr lang="de-DE" sz="1600" b="1" dirty="0" smtClean="0"/>
+              <a:rPr lang="de-DE" sz="1600" b="1" dirty="0"/>
               <a:t>Code</a:t>
             </a:r>
-            <a:endParaRPr lang="de-DE" sz="1600" b="1" dirty="0"/>
           </a:p>
         </p:txBody>
       </p:sp>
@@ -1954,38 +1959,37 @@
           <a:p>
             <a:pPr lvl="0"/>
             <a:r>
-              <a:rPr lang="de-DE" dirty="0" smtClean="0"/>
+              <a:rPr lang="de-DE" dirty="0"/>
               <a:t>Formatvorlagen des Textmasters bearbeiten</a:t>
             </a:r>
           </a:p>
           <a:p>
             <a:pPr lvl="1"/>
             <a:r>
-              <a:rPr lang="de-DE" dirty="0" smtClean="0"/>
+              <a:rPr lang="de-DE" dirty="0"/>
               <a:t>Zweite Ebene</a:t>
             </a:r>
           </a:p>
           <a:p>
             <a:pPr lvl="2"/>
             <a:r>
-              <a:rPr lang="de-DE" dirty="0" smtClean="0"/>
+              <a:rPr lang="de-DE" dirty="0"/>
               <a:t>Dritte Ebene</a:t>
             </a:r>
           </a:p>
           <a:p>
             <a:pPr lvl="3"/>
             <a:r>
-              <a:rPr lang="de-DE" dirty="0" smtClean="0"/>
+              <a:rPr lang="de-DE" dirty="0"/>
               <a:t>Vierte Ebene</a:t>
             </a:r>
           </a:p>
           <a:p>
             <a:pPr lvl="4"/>
             <a:r>
-              <a:rPr lang="de-DE" dirty="0" smtClean="0"/>
+              <a:rPr lang="de-DE" dirty="0"/>
               <a:t>Fünfte Ebene</a:t>
             </a:r>
-            <a:endParaRPr lang="de-DE" dirty="0"/>
           </a:p>
         </p:txBody>
       </p:sp>
@@ -2061,12 +2065,12 @@
           <a:p>
             <a:pPr algn="ctr"/>
             <a:r>
-              <a:rPr lang="de-DE" sz="1100" dirty="0" smtClean="0">
+              <a:rPr lang="de-DE" sz="1100" dirty="0">
                 <a:hlinkClick r:id="rId2"/>
               </a:rPr>
               <a:t>https://www.htw-dresden.de/kiss-mint</a:t>
             </a:r>
-            <a:endParaRPr lang="de-DE" sz="1100" dirty="0" smtClean="0"/>
+            <a:endParaRPr lang="de-DE" sz="1100" dirty="0"/>
           </a:p>
         </p:txBody>
       </p:sp>
@@ -2080,13 +2084,6 @@
   <p:clrMapOvr>
     <a:masterClrMapping/>
   </p:clrMapOvr>
-  <p:timing>
-    <p:tnLst>
-      <p:par>
-        <p:cTn id="1" dur="indefinite" restart="never" nodeType="tmRoot"/>
-      </p:par>
-    </p:tnLst>
-  </p:timing>
 </p:sldLayout>
 </file>
 
@@ -2134,10 +2131,9 @@
           </a:lstStyle>
           <a:p>
             <a:r>
-              <a:rPr lang="de-DE" dirty="0" smtClean="0"/>
+              <a:rPr lang="de-DE" dirty="0"/>
               <a:t>Titelmasterformat durch Klicken bearbeiten</a:t>
             </a:r>
-            <a:endParaRPr lang="de-DE" dirty="0"/>
           </a:p>
         </p:txBody>
       </p:sp>
@@ -2158,7 +2154,7 @@
           <a:p>
             <a:fld id="{FC9269F9-6F79-4414-A84E-D81C6C443C37}" type="datetimeFigureOut">
               <a:rPr lang="de-DE" smtClean="0"/>
-              <a:t>09.01.2019</a:t>
+              <a:t>06.12.2019</a:t>
             </a:fld>
             <a:endParaRPr lang="de-DE"/>
           </a:p>
@@ -2216,7 +2212,7 @@
           <a:p>
             <a:pPr lvl="0"/>
             <a:r>
-              <a:rPr lang="de-DE" b="1" dirty="0" smtClean="0"/>
+              <a:rPr lang="de-DE" b="1" dirty="0"/>
               <a:t>Rubrik</a:t>
             </a:r>
             <a:endParaRPr lang="de-DE" dirty="0"/>
@@ -2271,10 +2267,9 @@
           <a:p>
             <a:pPr lvl="0"/>
             <a:r>
-              <a:rPr lang="de-DE" dirty="0" smtClean="0"/>
+              <a:rPr lang="de-DE" dirty="0"/>
               <a:t>Formatvorlagen des Textmasters bearbeiten</a:t>
             </a:r>
-            <a:endParaRPr lang="de-DE" dirty="0"/>
           </a:p>
         </p:txBody>
       </p:sp>
@@ -2302,12 +2297,12 @@
           <a:p>
             <a:pPr algn="ctr"/>
             <a:r>
-              <a:rPr lang="de-DE" sz="1100" dirty="0" smtClean="0">
+              <a:rPr lang="de-DE" sz="1100" dirty="0">
                 <a:hlinkClick r:id="rId2"/>
               </a:rPr>
               <a:t>https://www.htw-dresden.de/kiss-mint</a:t>
             </a:r>
-            <a:endParaRPr lang="de-DE" sz="1100" dirty="0" smtClean="0"/>
+            <a:endParaRPr lang="de-DE" sz="1100" dirty="0"/>
           </a:p>
         </p:txBody>
       </p:sp>
@@ -2321,13 +2316,6 @@
   <p:clrMapOvr>
     <a:masterClrMapping/>
   </p:clrMapOvr>
-  <p:timing>
-    <p:tnLst>
-      <p:par>
-        <p:cTn id="1" dur="indefinite" restart="never" nodeType="tmRoot"/>
-      </p:par>
-    </p:tnLst>
-  </p:timing>
 </p:sldLayout>
 </file>
 
@@ -2615,34 +2603,34 @@
           <a:p>
             <a:pPr algn="ctr"/>
             <a:r>
-              <a:rPr lang="de-DE" b="1" dirty="0" smtClean="0"/>
+              <a:rPr lang="de-DE" b="1" dirty="0"/>
               <a:t>Veröffentlicht</a:t>
             </a:r>
             <a:r>
-              <a:rPr lang="de-DE" b="1" baseline="0" dirty="0" smtClean="0"/>
+              <a:rPr lang="de-DE" b="1" baseline="0" dirty="0"/>
               <a:t> unter CC BY SA</a:t>
             </a:r>
           </a:p>
           <a:p>
             <a:pPr algn="ctr"/>
-            <a:endParaRPr lang="de-DE" b="0" baseline="0" dirty="0" smtClean="0"/>
+            <a:endParaRPr lang="de-DE" b="0" baseline="0" dirty="0"/>
           </a:p>
           <a:p>
             <a:pPr algn="ctr"/>
             <a:r>
-              <a:rPr lang="de-DE" b="0" dirty="0" smtClean="0"/>
+              <a:rPr lang="de-DE" b="0" dirty="0"/>
               <a:t>Dieses Werk ist unter einer Creative </a:t>
             </a:r>
             <a:r>
-              <a:rPr lang="de-DE" b="0" dirty="0" err="1" smtClean="0"/>
+              <a:rPr lang="de-DE" b="0" dirty="0" err="1"/>
               <a:t>Commons</a:t>
             </a:r>
             <a:r>
-              <a:rPr lang="de-DE" b="0" dirty="0" smtClean="0"/>
+              <a:rPr lang="de-DE" b="0" dirty="0"/>
               <a:t> Lizenz vom Typ Namensnennung - Weitergabe unter gleichen Bedingungen 4.0 International zugänglich. Um eine Kopie dieser Lizenz einzusehen, konsultieren </a:t>
             </a:r>
             <a:r>
-              <a:rPr lang="de-DE" b="0" dirty="0" smtClean="0">
+              <a:rPr lang="de-DE" b="0" dirty="0">
                 <a:solidFill>
                   <a:schemeClr val="bg1"/>
                 </a:solidFill>
@@ -2650,18 +2638,17 @@
               <a:t>Sie http://creativecommons.org/licenses/by-sa/4.0/ oder </a:t>
             </a:r>
             <a:r>
-              <a:rPr lang="de-DE" b="0" dirty="0" smtClean="0"/>
+              <a:rPr lang="de-DE" b="0" dirty="0"/>
               <a:t>wenden Sie sich brieflich an Creative </a:t>
             </a:r>
             <a:r>
-              <a:rPr lang="de-DE" b="0" dirty="0" err="1" smtClean="0"/>
+              <a:rPr lang="de-DE" b="0" dirty="0" err="1"/>
               <a:t>Commons</a:t>
             </a:r>
             <a:r>
-              <a:rPr lang="de-DE" b="0" dirty="0" smtClean="0"/>
+              <a:rPr lang="de-DE" b="0" dirty="0"/>
               <a:t>, Postfach 1866, Mountain View, California, 94042, USA.</a:t>
             </a:r>
-            <a:endParaRPr lang="de-DE" b="0" dirty="0"/>
           </a:p>
         </p:txBody>
       </p:sp>
@@ -2820,38 +2807,37 @@
           <a:p>
             <a:pPr lvl="0"/>
             <a:r>
-              <a:rPr lang="de-DE" dirty="0" smtClean="0"/>
+              <a:rPr lang="de-DE" dirty="0"/>
               <a:t>Formatvorlagen des Textmasters bearbeiten</a:t>
             </a:r>
           </a:p>
           <a:p>
             <a:pPr lvl="1"/>
             <a:r>
-              <a:rPr lang="de-DE" dirty="0" smtClean="0"/>
+              <a:rPr lang="de-DE" dirty="0"/>
               <a:t>Zweite Ebene</a:t>
             </a:r>
           </a:p>
           <a:p>
             <a:pPr lvl="2"/>
             <a:r>
-              <a:rPr lang="de-DE" dirty="0" smtClean="0"/>
+              <a:rPr lang="de-DE" dirty="0"/>
               <a:t>Dritte Ebene</a:t>
             </a:r>
           </a:p>
           <a:p>
             <a:pPr lvl="3"/>
             <a:r>
-              <a:rPr lang="de-DE" dirty="0" smtClean="0"/>
+              <a:rPr lang="de-DE" dirty="0"/>
               <a:t>Vierte Ebene</a:t>
             </a:r>
           </a:p>
           <a:p>
             <a:pPr lvl="4"/>
             <a:r>
-              <a:rPr lang="de-DE" dirty="0" smtClean="0"/>
+              <a:rPr lang="de-DE" dirty="0"/>
               <a:t>Fünfte Ebene</a:t>
             </a:r>
-            <a:endParaRPr lang="de-DE" dirty="0"/>
           </a:p>
         </p:txBody>
       </p:sp>
@@ -2884,6 +2870,42 @@
           </a:prstGeom>
         </p:spPr>
       </p:pic>
+      <p:pic>
+        <p:nvPicPr>
+          <p:cNvPr id="17" name="Grafik 16">
+            <a:extLst>
+              <a:ext uri="{FF2B5EF4-FFF2-40B4-BE49-F238E27FC236}">
+                <a16:creationId xmlns:a16="http://schemas.microsoft.com/office/drawing/2014/main" id="{78B96D9E-5E52-4540-A08B-7E0FEE7515A2}"/>
+              </a:ext>
+            </a:extLst>
+          </p:cNvPr>
+          <p:cNvPicPr>
+            <a:picLocks noChangeAspect="1"/>
+          </p:cNvPicPr>
+          <p:nvPr userDrawn="1"/>
+        </p:nvPicPr>
+        <p:blipFill>
+          <a:blip r:embed="rId7" cstate="print">
+            <a:extLst>
+              <a:ext uri="{28A0092B-C50C-407E-A947-70E740481C1C}">
+                <a14:useLocalDpi xmlns:a14="http://schemas.microsoft.com/office/drawing/2010/main" val="0"/>
+              </a:ext>
+            </a:extLst>
+          </a:blip>
+          <a:stretch>
+            <a:fillRect/>
+          </a:stretch>
+        </p:blipFill>
+        <p:spPr>
+          <a:xfrm>
+            <a:off x="2074069" y="9099550"/>
+            <a:ext cx="381000" cy="571500"/>
+          </a:xfrm>
+          <a:prstGeom prst="rect">
+            <a:avLst/>
+          </a:prstGeom>
+        </p:spPr>
+      </p:pic>
     </p:spTree>
     <p:extLst>
       <p:ext uri="{BB962C8B-B14F-4D97-AF65-F5344CB8AC3E}">
@@ -2894,13 +2916,6 @@
   <p:clrMapOvr>
     <a:masterClrMapping/>
   </p:clrMapOvr>
-  <p:timing>
-    <p:tnLst>
-      <p:par>
-        <p:cTn id="1" dur="indefinite" restart="never" nodeType="tmRoot"/>
-      </p:par>
-    </p:tnLst>
-  </p:timing>
 </p:sldLayout>
 </file>
 
@@ -2948,10 +2963,9 @@
           </a:lstStyle>
           <a:p>
             <a:r>
-              <a:rPr lang="de-DE" dirty="0" smtClean="0"/>
+              <a:rPr lang="de-DE" dirty="0"/>
               <a:t>Titelmasterformat durch Klicken bearbeiten</a:t>
             </a:r>
-            <a:endParaRPr lang="de-DE" dirty="0"/>
           </a:p>
         </p:txBody>
       </p:sp>
@@ -2972,7 +2986,7 @@
           <a:p>
             <a:fld id="{FC9269F9-6F79-4414-A84E-D81C6C443C37}" type="datetimeFigureOut">
               <a:rPr lang="de-DE" smtClean="0"/>
-              <a:t>09.01.2019</a:t>
+              <a:t>06.12.2019</a:t>
             </a:fld>
             <a:endParaRPr lang="de-DE"/>
           </a:p>
@@ -3049,7 +3063,7 @@
           <a:p>
             <a:pPr lvl="0"/>
             <a:r>
-              <a:rPr lang="de-DE" b="1" dirty="0" smtClean="0"/>
+              <a:rPr lang="de-DE" b="1" dirty="0"/>
               <a:t>Rubrik</a:t>
             </a:r>
             <a:endParaRPr lang="de-DE" dirty="0"/>
@@ -3108,10 +3122,9 @@
           <a:p>
             <a:pPr lvl="0"/>
             <a:r>
-              <a:rPr lang="de-DE" dirty="0" smtClean="0"/>
+              <a:rPr lang="de-DE" dirty="0"/>
               <a:t>Formatvorlagen des Textmasters bearbeiten</a:t>
             </a:r>
-            <a:endParaRPr lang="de-DE" dirty="0"/>
           </a:p>
         </p:txBody>
       </p:sp>
@@ -3143,10 +3156,9 @@
           <a:p>
             <a:pPr lvl="0"/>
             <a:r>
-              <a:rPr lang="de-DE" dirty="0" smtClean="0"/>
+              <a:rPr lang="de-DE" dirty="0"/>
               <a:t>Legende</a:t>
             </a:r>
-            <a:endParaRPr lang="de-DE" dirty="0"/>
           </a:p>
         </p:txBody>
       </p:sp>
@@ -3160,13 +3172,6 @@
   <p:clrMapOvr>
     <a:masterClrMapping/>
   </p:clrMapOvr>
-  <p:timing>
-    <p:tnLst>
-      <p:par>
-        <p:cTn id="1" dur="indefinite" restart="never" nodeType="tmRoot"/>
-      </p:par>
-    </p:tnLst>
-  </p:timing>
 </p:sldLayout>
 </file>
 
@@ -3204,7 +3209,7 @@
           <a:p>
             <a:fld id="{FC9269F9-6F79-4414-A84E-D81C6C443C37}" type="datetimeFigureOut">
               <a:rPr lang="de-DE" smtClean="0"/>
-              <a:t>09.01.2019</a:t>
+              <a:t>06.12.2019</a:t>
             </a:fld>
             <a:endParaRPr lang="de-DE"/>
           </a:p>
@@ -3262,13 +3267,6 @@
   <p:clrMapOvr>
     <a:masterClrMapping/>
   </p:clrMapOvr>
-  <p:timing>
-    <p:tnLst>
-      <p:par>
-        <p:cTn id="1" dur="indefinite" restart="never" nodeType="tmRoot"/>
-      </p:par>
-    </p:tnLst>
-  </p:timing>
 </p:sldLayout>
 </file>
 
@@ -3320,7 +3318,7 @@
           <a:lstStyle/>
           <a:p>
             <a:r>
-              <a:rPr lang="de-DE" smtClean="0"/>
+              <a:rPr lang="de-DE"/>
               <a:t>Titelmasterformat durch Klicken bearbeiten</a:t>
             </a:r>
             <a:endParaRPr lang="en-US" dirty="0"/>
@@ -3354,35 +3352,35 @@
           <a:p>
             <a:pPr lvl="0"/>
             <a:r>
-              <a:rPr lang="de-DE" smtClean="0"/>
+              <a:rPr lang="de-DE"/>
               <a:t>Formatvorlagen des Textmasters bearbeiten</a:t>
             </a:r>
           </a:p>
           <a:p>
             <a:pPr lvl="1"/>
             <a:r>
-              <a:rPr lang="de-DE" smtClean="0"/>
+              <a:rPr lang="de-DE"/>
               <a:t>Zweite Ebene</a:t>
             </a:r>
           </a:p>
           <a:p>
             <a:pPr lvl="2"/>
             <a:r>
-              <a:rPr lang="de-DE" smtClean="0"/>
+              <a:rPr lang="de-DE"/>
               <a:t>Dritte Ebene</a:t>
             </a:r>
           </a:p>
           <a:p>
             <a:pPr lvl="3"/>
             <a:r>
-              <a:rPr lang="de-DE" smtClean="0"/>
+              <a:rPr lang="de-DE"/>
               <a:t>Vierte Ebene</a:t>
             </a:r>
           </a:p>
           <a:p>
             <a:pPr lvl="4"/>
             <a:r>
-              <a:rPr lang="de-DE" smtClean="0"/>
+              <a:rPr lang="de-DE"/>
               <a:t>Fünfte Ebene</a:t>
             </a:r>
             <a:endParaRPr lang="en-US" dirty="0"/>
@@ -3424,7 +3422,7 @@
           <a:p>
             <a:fld id="{FC9269F9-6F79-4414-A84E-D81C6C443C37}" type="datetimeFigureOut">
               <a:rPr lang="de-DE" smtClean="0"/>
-              <a:t>09.01.2019</a:t>
+              <a:t>06.12.2019</a:t>
             </a:fld>
             <a:endParaRPr lang="de-DE"/>
           </a:p>
@@ -3527,13 +3525,6 @@
     <p:sldLayoutId id="2147483674" r:id="rId7"/>
     <p:sldLayoutId id="2147483676" r:id="rId8"/>
   </p:sldLayoutIdLst>
-  <p:timing>
-    <p:tnLst>
-      <p:par>
-        <p:cTn id="1" dur="indefinite" restart="never" nodeType="tmRoot"/>
-      </p:par>
-    </p:tnLst>
-  </p:timing>
   <p:txStyles>
     <p:titleStyle>
       <a:lvl1pPr algn="l" defTabSz="685800" rtl="0" eaLnBrk="1" latinLnBrk="0" hangingPunct="1">
@@ -3850,10 +3841,9 @@
           <a:lstStyle/>
           <a:p>
             <a:r>
-              <a:rPr lang="de-DE" dirty="0" smtClean="0"/>
+              <a:rPr lang="de-DE" dirty="0"/>
               <a:t>Entfernungsmesser</a:t>
             </a:r>
-            <a:endParaRPr lang="de-DE" dirty="0"/>
           </a:p>
         </p:txBody>
       </p:sp>
@@ -3876,15 +3866,7 @@
           <a:p>
             <a:r>
               <a:rPr lang="de-DE" dirty="0"/>
-              <a:t>Lasse dir die Entfernung zwischen Ultraschallmesser und Hindernis </a:t>
-            </a:r>
-            <a:r>
-              <a:rPr lang="de-DE" dirty="0" smtClean="0"/>
-              <a:t>auf der LED-Matrix ausgeben</a:t>
-            </a:r>
-            <a:r>
-              <a:rPr lang="de-DE" dirty="0"/>
-              <a:t>.</a:t>
+              <a:t>Lasse dir die Entfernung zwischen Ultraschallmesser und Hindernis auf der LED-Matrix ausgeben.</a:t>
             </a:r>
           </a:p>
         </p:txBody>
@@ -4002,13 +3984,6 @@
   <p:clrMapOvr>
     <a:masterClrMapping/>
   </p:clrMapOvr>
-  <p:timing>
-    <p:tnLst>
-      <p:par>
-        <p:cTn id="1" dur="indefinite" restart="never" nodeType="tmRoot"/>
-      </p:par>
-    </p:tnLst>
-  </p:timing>
 </p:sld>
 </file>
 

--- a/Entfernungsmesser/Entfernungsmesser.pptx
+++ b/Entfernungsmesser/Entfernungsmesser.pptx
@@ -201,7 +201,7 @@
           <a:p>
             <a:fld id="{DD7A25D8-F173-4133-85F8-CB962D678EB5}" type="datetimeFigureOut">
               <a:rPr lang="de-DE" smtClean="0"/>
-              <a:t>06.12.2019</a:t>
+              <a:t>09.12.2019</a:t>
             </a:fld>
             <a:endParaRPr lang="de-DE"/>
           </a:p>
@@ -599,7 +599,7 @@
           <a:p>
             <a:fld id="{FC9269F9-6F79-4414-A84E-D81C6C443C37}" type="datetimeFigureOut">
               <a:rPr lang="de-DE" smtClean="0"/>
-              <a:t>06.12.2019</a:t>
+              <a:t>09.12.2019</a:t>
             </a:fld>
             <a:endParaRPr lang="de-DE"/>
           </a:p>
@@ -1181,7 +1181,13 @@
       </p:sp>
       <p:pic>
         <p:nvPicPr>
-          <p:cNvPr id="23" name="Grafik 22"/>
+          <p:cNvPr id="28" name="Grafik 27">
+            <a:extLst>
+              <a:ext uri="{FF2B5EF4-FFF2-40B4-BE49-F238E27FC236}">
+                <a16:creationId xmlns:a16="http://schemas.microsoft.com/office/drawing/2014/main" id="{D67B4535-A750-4E2D-967F-7C0AEE3BBBDA}"/>
+              </a:ext>
+            </a:extLst>
+          </p:cNvPr>
           <p:cNvPicPr>
             <a:picLocks noChangeAspect="1"/>
           </p:cNvPicPr>
@@ -1211,7 +1217,13 @@
       </p:pic>
       <p:pic>
         <p:nvPicPr>
-          <p:cNvPr id="25" name="Grafik 24"/>
+          <p:cNvPr id="29" name="Grafik 28">
+            <a:extLst>
+              <a:ext uri="{FF2B5EF4-FFF2-40B4-BE49-F238E27FC236}">
+                <a16:creationId xmlns:a16="http://schemas.microsoft.com/office/drawing/2014/main" id="{74497936-D26E-4FF8-A3BB-BCF21060A9CD}"/>
+              </a:ext>
+            </a:extLst>
+          </p:cNvPr>
           <p:cNvPicPr>
             <a:picLocks noChangeAspect="1"/>
           </p:cNvPicPr>
@@ -1240,10 +1252,10 @@
       </p:pic>
       <p:pic>
         <p:nvPicPr>
-          <p:cNvPr id="27" name="Grafik 26">
+          <p:cNvPr id="30" name="Grafik 29">
             <a:extLst>
               <a:ext uri="{FF2B5EF4-FFF2-40B4-BE49-F238E27FC236}">
-                <a16:creationId xmlns:a16="http://schemas.microsoft.com/office/drawing/2014/main" id="{72C363C0-0FA4-4EDE-958A-6E256E4C55C6}"/>
+                <a16:creationId xmlns:a16="http://schemas.microsoft.com/office/drawing/2014/main" id="{328E7FF5-6B17-41DE-B4FE-9C725ADDE1CA}"/>
               </a:ext>
             </a:extLst>
           </p:cNvPr>
@@ -1266,8 +1278,44 @@
         </p:blipFill>
         <p:spPr>
           <a:xfrm>
-            <a:off x="2074069" y="9092845"/>
+            <a:off x="2074069" y="9099550"/>
             <a:ext cx="381000" cy="571500"/>
+          </a:xfrm>
+          <a:prstGeom prst="rect">
+            <a:avLst/>
+          </a:prstGeom>
+        </p:spPr>
+      </p:pic>
+      <p:pic>
+        <p:nvPicPr>
+          <p:cNvPr id="31" name="Grafik 30">
+            <a:extLst>
+              <a:ext uri="{FF2B5EF4-FFF2-40B4-BE49-F238E27FC236}">
+                <a16:creationId xmlns:a16="http://schemas.microsoft.com/office/drawing/2014/main" id="{5AE05BC0-4BC5-40A6-B701-17B34E153223}"/>
+              </a:ext>
+            </a:extLst>
+          </p:cNvPr>
+          <p:cNvPicPr>
+            <a:picLocks noChangeAspect="1"/>
+          </p:cNvPicPr>
+          <p:nvPr userDrawn="1"/>
+        </p:nvPicPr>
+        <p:blipFill>
+          <a:blip r:embed="rId5" cstate="print">
+            <a:extLst>
+              <a:ext uri="{28A0092B-C50C-407E-A947-70E740481C1C}">
+                <a14:useLocalDpi xmlns:a14="http://schemas.microsoft.com/office/drawing/2010/main" val="0"/>
+              </a:ext>
+            </a:extLst>
+          </a:blip>
+          <a:stretch>
+            <a:fillRect/>
+          </a:stretch>
+        </p:blipFill>
+        <p:spPr>
+          <a:xfrm>
+            <a:off x="3590172" y="8960427"/>
+            <a:ext cx="911392" cy="911392"/>
           </a:xfrm>
           <a:prstGeom prst="rect">
             <a:avLst/>
@@ -1713,7 +1761,7 @@
           <a:p>
             <a:fld id="{FC9269F9-6F79-4414-A84E-D81C6C443C37}" type="datetimeFigureOut">
               <a:rPr lang="de-DE" smtClean="0"/>
-              <a:t>06.12.2019</a:t>
+              <a:t>09.12.2019</a:t>
             </a:fld>
             <a:endParaRPr lang="de-DE"/>
           </a:p>
@@ -2041,39 +2089,149 @@
           </a:p>
         </p:txBody>
       </p:sp>
-      <p:sp>
-        <p:nvSpPr>
-          <p:cNvPr id="15" name="Textfeld 14"/>
-          <p:cNvSpPr txBox="1"/>
+      <p:pic>
+        <p:nvPicPr>
+          <p:cNvPr id="17" name="Grafik 16">
+            <a:extLst>
+              <a:ext uri="{FF2B5EF4-FFF2-40B4-BE49-F238E27FC236}">
+                <a16:creationId xmlns:a16="http://schemas.microsoft.com/office/drawing/2014/main" id="{5DC8EE4A-282B-4360-A529-7D7A0D8AB58C}"/>
+              </a:ext>
+            </a:extLst>
+          </p:cNvPr>
+          <p:cNvPicPr>
+            <a:picLocks noChangeAspect="1"/>
+          </p:cNvPicPr>
           <p:nvPr userDrawn="1"/>
-        </p:nvSpPr>
-        <p:spPr>
-          <a:xfrm>
-            <a:off x="2033534" y="9314293"/>
-            <a:ext cx="2449033" cy="261610"/>
+        </p:nvPicPr>
+        <p:blipFill>
+          <a:blip r:embed="rId2" cstate="print">
+            <a:extLst>
+              <a:ext uri="{28A0092B-C50C-407E-A947-70E740481C1C}">
+                <a14:useLocalDpi xmlns:a14="http://schemas.microsoft.com/office/drawing/2010/main" val="0"/>
+              </a:ext>
+            </a:extLst>
+          </a:blip>
+          <a:stretch>
+            <a:fillRect/>
+          </a:stretch>
+        </p:blipFill>
+        <p:spPr>
+          <a:xfrm>
+            <a:off x="4501564" y="9267750"/>
+            <a:ext cx="1884949" cy="324000"/>
           </a:xfrm>
           <a:prstGeom prst="rect">
             <a:avLst/>
           </a:prstGeom>
-          <a:noFill/>
-        </p:spPr>
-        <p:txBody>
-          <a:bodyPr wrap="square" rtlCol="0">
-            <a:spAutoFit/>
-          </a:bodyPr>
-          <a:lstStyle/>
-          <a:p>
-            <a:pPr algn="ctr"/>
-            <a:r>
-              <a:rPr lang="de-DE" sz="1100" dirty="0">
-                <a:hlinkClick r:id="rId2"/>
-              </a:rPr>
-              <a:t>https://www.htw-dresden.de/kiss-mint</a:t>
-            </a:r>
-            <a:endParaRPr lang="de-DE" sz="1100" dirty="0"/>
-          </a:p>
-        </p:txBody>
-      </p:sp>
+        </p:spPr>
+      </p:pic>
+      <p:pic>
+        <p:nvPicPr>
+          <p:cNvPr id="19" name="Grafik 18">
+            <a:extLst>
+              <a:ext uri="{FF2B5EF4-FFF2-40B4-BE49-F238E27FC236}">
+                <a16:creationId xmlns:a16="http://schemas.microsoft.com/office/drawing/2014/main" id="{349C25B8-4248-4C6F-9A4C-F4FC7DDF1078}"/>
+              </a:ext>
+            </a:extLst>
+          </p:cNvPr>
+          <p:cNvPicPr>
+            <a:picLocks noChangeAspect="1"/>
+          </p:cNvPicPr>
+          <p:nvPr userDrawn="1"/>
+        </p:nvPicPr>
+        <p:blipFill rotWithShape="1">
+          <a:blip r:embed="rId3" cstate="print">
+            <a:extLst>
+              <a:ext uri="{28A0092B-C50C-407E-A947-70E740481C1C}">
+                <a14:useLocalDpi xmlns:a14="http://schemas.microsoft.com/office/drawing/2010/main" val="0"/>
+              </a:ext>
+            </a:extLst>
+          </a:blip>
+          <a:srcRect t="15984" b="15885"/>
+          <a:stretch/>
+        </p:blipFill>
+        <p:spPr>
+          <a:xfrm>
+            <a:off x="471488" y="9224307"/>
+            <a:ext cx="1604044" cy="453441"/>
+          </a:xfrm>
+          <a:prstGeom prst="rect">
+            <a:avLst/>
+          </a:prstGeom>
+        </p:spPr>
+      </p:pic>
+      <p:pic>
+        <p:nvPicPr>
+          <p:cNvPr id="21" name="Grafik 20">
+            <a:extLst>
+              <a:ext uri="{FF2B5EF4-FFF2-40B4-BE49-F238E27FC236}">
+                <a16:creationId xmlns:a16="http://schemas.microsoft.com/office/drawing/2014/main" id="{D6DB3583-D966-4454-BD09-EACFD355B149}"/>
+              </a:ext>
+            </a:extLst>
+          </p:cNvPr>
+          <p:cNvPicPr>
+            <a:picLocks noChangeAspect="1"/>
+          </p:cNvPicPr>
+          <p:nvPr userDrawn="1"/>
+        </p:nvPicPr>
+        <p:blipFill>
+          <a:blip r:embed="rId4" cstate="print">
+            <a:extLst>
+              <a:ext uri="{28A0092B-C50C-407E-A947-70E740481C1C}">
+                <a14:useLocalDpi xmlns:a14="http://schemas.microsoft.com/office/drawing/2010/main" val="0"/>
+              </a:ext>
+            </a:extLst>
+          </a:blip>
+          <a:stretch>
+            <a:fillRect/>
+          </a:stretch>
+        </p:blipFill>
+        <p:spPr>
+          <a:xfrm>
+            <a:off x="2074069" y="9099550"/>
+            <a:ext cx="381000" cy="571500"/>
+          </a:xfrm>
+          <a:prstGeom prst="rect">
+            <a:avLst/>
+          </a:prstGeom>
+        </p:spPr>
+      </p:pic>
+      <p:pic>
+        <p:nvPicPr>
+          <p:cNvPr id="22" name="Grafik 21">
+            <a:extLst>
+              <a:ext uri="{FF2B5EF4-FFF2-40B4-BE49-F238E27FC236}">
+                <a16:creationId xmlns:a16="http://schemas.microsoft.com/office/drawing/2014/main" id="{BF223B5F-C40E-43D9-B5F7-1B45DBA236CD}"/>
+              </a:ext>
+            </a:extLst>
+          </p:cNvPr>
+          <p:cNvPicPr>
+            <a:picLocks noChangeAspect="1"/>
+          </p:cNvPicPr>
+          <p:nvPr userDrawn="1"/>
+        </p:nvPicPr>
+        <p:blipFill>
+          <a:blip r:embed="rId5" cstate="print">
+            <a:extLst>
+              <a:ext uri="{28A0092B-C50C-407E-A947-70E740481C1C}">
+                <a14:useLocalDpi xmlns:a14="http://schemas.microsoft.com/office/drawing/2010/main" val="0"/>
+              </a:ext>
+            </a:extLst>
+          </a:blip>
+          <a:stretch>
+            <a:fillRect/>
+          </a:stretch>
+        </p:blipFill>
+        <p:spPr>
+          <a:xfrm>
+            <a:off x="3590172" y="8960427"/>
+            <a:ext cx="911392" cy="911392"/>
+          </a:xfrm>
+          <a:prstGeom prst="rect">
+            <a:avLst/>
+          </a:prstGeom>
+        </p:spPr>
+      </p:pic>
     </p:spTree>
     <p:extLst>
       <p:ext uri="{BB962C8B-B14F-4D97-AF65-F5344CB8AC3E}">
@@ -2154,7 +2312,7 @@
           <a:p>
             <a:fld id="{FC9269F9-6F79-4414-A84E-D81C6C443C37}" type="datetimeFigureOut">
               <a:rPr lang="de-DE" smtClean="0"/>
-              <a:t>06.12.2019</a:t>
+              <a:t>09.12.2019</a:t>
             </a:fld>
             <a:endParaRPr lang="de-DE"/>
           </a:p>
@@ -2270,39 +2428,6 @@
               <a:rPr lang="de-DE" dirty="0"/>
               <a:t>Formatvorlagen des Textmasters bearbeiten</a:t>
             </a:r>
-          </a:p>
-        </p:txBody>
-      </p:sp>
-      <p:sp>
-        <p:nvSpPr>
-          <p:cNvPr id="9" name="Textfeld 8"/>
-          <p:cNvSpPr txBox="1"/>
-          <p:nvPr userDrawn="1"/>
-        </p:nvSpPr>
-        <p:spPr>
-          <a:xfrm>
-            <a:off x="2033534" y="9314293"/>
-            <a:ext cx="2449033" cy="261610"/>
-          </a:xfrm>
-          <a:prstGeom prst="rect">
-            <a:avLst/>
-          </a:prstGeom>
-          <a:noFill/>
-        </p:spPr>
-        <p:txBody>
-          <a:bodyPr wrap="square" rtlCol="0">
-            <a:spAutoFit/>
-          </a:bodyPr>
-          <a:lstStyle/>
-          <a:p>
-            <a:pPr algn="ctr"/>
-            <a:r>
-              <a:rPr lang="de-DE" sz="1100" dirty="0">
-                <a:hlinkClick r:id="rId2"/>
-              </a:rPr>
-              <a:t>https://www.htw-dresden.de/kiss-mint</a:t>
-            </a:r>
-            <a:endParaRPr lang="de-DE" sz="1100" dirty="0"/>
           </a:p>
         </p:txBody>
       </p:sp>
@@ -2532,36 +2657,6 @@
           </a:fontRef>
         </p:style>
       </p:cxnSp>
-      <p:pic>
-        <p:nvPicPr>
-          <p:cNvPr id="18" name="Grafik 17"/>
-          <p:cNvPicPr>
-            <a:picLocks noChangeAspect="1"/>
-          </p:cNvPicPr>
-          <p:nvPr userDrawn="1"/>
-        </p:nvPicPr>
-        <p:blipFill>
-          <a:blip r:embed="rId2" cstate="print">
-            <a:extLst>
-              <a:ext uri="{28A0092B-C50C-407E-A947-70E740481C1C}">
-                <a14:useLocalDpi xmlns:a14="http://schemas.microsoft.com/office/drawing/2010/main" val="0"/>
-              </a:ext>
-            </a:extLst>
-          </a:blip>
-          <a:stretch>
-            <a:fillRect/>
-          </a:stretch>
-        </p:blipFill>
-        <p:spPr>
-          <a:xfrm>
-            <a:off x="4501564" y="9267750"/>
-            <a:ext cx="1884949" cy="324000"/>
-          </a:xfrm>
-          <a:prstGeom prst="rect">
-            <a:avLst/>
-          </a:prstGeom>
-        </p:spPr>
-      </p:pic>
       <p:sp>
         <p:nvSpPr>
           <p:cNvPr id="3" name="Rechteck 2"/>
@@ -2655,6 +2750,47 @@
       <p:pic>
         <p:nvPicPr>
           <p:cNvPr id="1027" name="Picture 3" descr="https://creativecommons.org/images/deed/attribution_icon_white_x2.png"/>
+          <p:cNvPicPr>
+            <a:picLocks noChangeAspect="1" noChangeArrowheads="1"/>
+          </p:cNvPicPr>
+          <p:nvPr userDrawn="1"/>
+        </p:nvPicPr>
+        <p:blipFill>
+          <a:blip r:embed="rId2">
+            <a:extLst>
+              <a:ext uri="{28A0092B-C50C-407E-A947-70E740481C1C}">
+                <a14:useLocalDpi xmlns:a14="http://schemas.microsoft.com/office/drawing/2010/main" val="0"/>
+              </a:ext>
+            </a:extLst>
+          </a:blip>
+          <a:srcRect/>
+          <a:stretch>
+            <a:fillRect/>
+          </a:stretch>
+        </p:blipFill>
+        <p:spPr bwMode="auto">
+          <a:xfrm>
+            <a:off x="3053968" y="7229447"/>
+            <a:ext cx="777865" cy="777865"/>
+          </a:xfrm>
+          <a:prstGeom prst="rect">
+            <a:avLst/>
+          </a:prstGeom>
+          <a:noFill/>
+          <a:extLst>
+            <a:ext uri="{909E8E84-426E-40DD-AFC4-6F175D3DCCD1}">
+              <a14:hiddenFill xmlns:a14="http://schemas.microsoft.com/office/drawing/2010/main">
+                <a:solidFill>
+                  <a:srgbClr val="FFFFFF"/>
+                </a:solidFill>
+              </a14:hiddenFill>
+            </a:ext>
+          </a:extLst>
+        </p:spPr>
+      </p:pic>
+      <p:pic>
+        <p:nvPicPr>
+          <p:cNvPr id="1028" name="Picture 4" descr="https://creativecommons.org/images/deed/sa_white_x2.png"/>
           <p:cNvPicPr>
             <a:picLocks noChangeAspect="1" noChangeArrowheads="1"/>
           </p:cNvPicPr>
@@ -2675,8 +2811,8 @@
         </p:blipFill>
         <p:spPr bwMode="auto">
           <a:xfrm>
-            <a:off x="3053968" y="7229447"/>
-            <a:ext cx="777865" cy="777865"/>
+            <a:off x="3837858" y="7231116"/>
+            <a:ext cx="784138" cy="784138"/>
           </a:xfrm>
           <a:prstGeom prst="rect">
             <a:avLst/>
@@ -2695,7 +2831,7 @@
       </p:pic>
       <p:pic>
         <p:nvPicPr>
-          <p:cNvPr id="1028" name="Picture 4" descr="https://creativecommons.org/images/deed/sa_white_x2.png"/>
+          <p:cNvPr id="1026" name="Picture 2" descr="cc logo"/>
           <p:cNvPicPr>
             <a:picLocks noChangeAspect="1" noChangeArrowheads="1"/>
           </p:cNvPicPr>
@@ -2716,47 +2852,6 @@
         </p:blipFill>
         <p:spPr bwMode="auto">
           <a:xfrm>
-            <a:off x="3837858" y="7231116"/>
-            <a:ext cx="784138" cy="784138"/>
-          </a:xfrm>
-          <a:prstGeom prst="rect">
-            <a:avLst/>
-          </a:prstGeom>
-          <a:noFill/>
-          <a:extLst>
-            <a:ext uri="{909E8E84-426E-40DD-AFC4-6F175D3DCCD1}">
-              <a14:hiddenFill xmlns:a14="http://schemas.microsoft.com/office/drawing/2010/main">
-                <a:solidFill>
-                  <a:srgbClr val="FFFFFF"/>
-                </a:solidFill>
-              </a14:hiddenFill>
-            </a:ext>
-          </a:extLst>
-        </p:spPr>
-      </p:pic>
-      <p:pic>
-        <p:nvPicPr>
-          <p:cNvPr id="1026" name="Picture 2" descr="cc logo"/>
-          <p:cNvPicPr>
-            <a:picLocks noChangeAspect="1" noChangeArrowheads="1"/>
-          </p:cNvPicPr>
-          <p:nvPr userDrawn="1"/>
-        </p:nvPicPr>
-        <p:blipFill>
-          <a:blip r:embed="rId5">
-            <a:extLst>
-              <a:ext uri="{28A0092B-C50C-407E-A947-70E740481C1C}">
-                <a14:useLocalDpi xmlns:a14="http://schemas.microsoft.com/office/drawing/2010/main" val="0"/>
-              </a:ext>
-            </a:extLst>
-          </a:blip>
-          <a:srcRect/>
-          <a:stretch>
-            <a:fillRect/>
-          </a:stretch>
-        </p:blipFill>
-        <p:spPr bwMode="auto">
-          <a:xfrm>
             <a:off x="2276103" y="7237389"/>
             <a:ext cx="777865" cy="777865"/>
           </a:xfrm>
@@ -2843,7 +2938,49 @@
       </p:sp>
       <p:pic>
         <p:nvPicPr>
-          <p:cNvPr id="19" name="Grafik 18"/>
+          <p:cNvPr id="20" name="Grafik 19">
+            <a:extLst>
+              <a:ext uri="{FF2B5EF4-FFF2-40B4-BE49-F238E27FC236}">
+                <a16:creationId xmlns:a16="http://schemas.microsoft.com/office/drawing/2014/main" id="{005D24AA-EED0-409D-83E9-29B286D5FA03}"/>
+              </a:ext>
+            </a:extLst>
+          </p:cNvPr>
+          <p:cNvPicPr>
+            <a:picLocks noChangeAspect="1"/>
+          </p:cNvPicPr>
+          <p:nvPr userDrawn="1"/>
+        </p:nvPicPr>
+        <p:blipFill>
+          <a:blip r:embed="rId5" cstate="print">
+            <a:extLst>
+              <a:ext uri="{28A0092B-C50C-407E-A947-70E740481C1C}">
+                <a14:useLocalDpi xmlns:a14="http://schemas.microsoft.com/office/drawing/2010/main" val="0"/>
+              </a:ext>
+            </a:extLst>
+          </a:blip>
+          <a:stretch>
+            <a:fillRect/>
+          </a:stretch>
+        </p:blipFill>
+        <p:spPr>
+          <a:xfrm>
+            <a:off x="4501564" y="9267750"/>
+            <a:ext cx="1884949" cy="324000"/>
+          </a:xfrm>
+          <a:prstGeom prst="rect">
+            <a:avLst/>
+          </a:prstGeom>
+        </p:spPr>
+      </p:pic>
+      <p:pic>
+        <p:nvPicPr>
+          <p:cNvPr id="21" name="Grafik 20">
+            <a:extLst>
+              <a:ext uri="{FF2B5EF4-FFF2-40B4-BE49-F238E27FC236}">
+                <a16:creationId xmlns:a16="http://schemas.microsoft.com/office/drawing/2014/main" id="{8D36AD98-7903-4295-9D16-F6B62BFAD012}"/>
+              </a:ext>
+            </a:extLst>
+          </p:cNvPr>
           <p:cNvPicPr>
             <a:picLocks noChangeAspect="1"/>
           </p:cNvPicPr>
@@ -2872,10 +3009,10 @@
       </p:pic>
       <p:pic>
         <p:nvPicPr>
-          <p:cNvPr id="17" name="Grafik 16">
+          <p:cNvPr id="22" name="Grafik 21">
             <a:extLst>
               <a:ext uri="{FF2B5EF4-FFF2-40B4-BE49-F238E27FC236}">
-                <a16:creationId xmlns:a16="http://schemas.microsoft.com/office/drawing/2014/main" id="{78B96D9E-5E52-4540-A08B-7E0FEE7515A2}"/>
+                <a16:creationId xmlns:a16="http://schemas.microsoft.com/office/drawing/2014/main" id="{BBA74D46-40AB-4ECE-A8CF-69C145F9CA0A}"/>
               </a:ext>
             </a:extLst>
           </p:cNvPr>
@@ -2900,6 +3037,42 @@
           <a:xfrm>
             <a:off x="2074069" y="9099550"/>
             <a:ext cx="381000" cy="571500"/>
+          </a:xfrm>
+          <a:prstGeom prst="rect">
+            <a:avLst/>
+          </a:prstGeom>
+        </p:spPr>
+      </p:pic>
+      <p:pic>
+        <p:nvPicPr>
+          <p:cNvPr id="24" name="Grafik 23">
+            <a:extLst>
+              <a:ext uri="{FF2B5EF4-FFF2-40B4-BE49-F238E27FC236}">
+                <a16:creationId xmlns:a16="http://schemas.microsoft.com/office/drawing/2014/main" id="{6D45297D-B61B-48F8-9FA6-9BFCC3BBFC14}"/>
+              </a:ext>
+            </a:extLst>
+          </p:cNvPr>
+          <p:cNvPicPr>
+            <a:picLocks noChangeAspect="1"/>
+          </p:cNvPicPr>
+          <p:nvPr userDrawn="1"/>
+        </p:nvPicPr>
+        <p:blipFill>
+          <a:blip r:embed="rId8" cstate="print">
+            <a:extLst>
+              <a:ext uri="{28A0092B-C50C-407E-A947-70E740481C1C}">
+                <a14:useLocalDpi xmlns:a14="http://schemas.microsoft.com/office/drawing/2010/main" val="0"/>
+              </a:ext>
+            </a:extLst>
+          </a:blip>
+          <a:stretch>
+            <a:fillRect/>
+          </a:stretch>
+        </p:blipFill>
+        <p:spPr>
+          <a:xfrm>
+            <a:off x="3590172" y="8960427"/>
+            <a:ext cx="911392" cy="911392"/>
           </a:xfrm>
           <a:prstGeom prst="rect">
             <a:avLst/>
@@ -2986,7 +3159,7 @@
           <a:p>
             <a:fld id="{FC9269F9-6F79-4414-A84E-D81C6C443C37}" type="datetimeFigureOut">
               <a:rPr lang="de-DE" smtClean="0"/>
-              <a:t>06.12.2019</a:t>
+              <a:t>09.12.2019</a:t>
             </a:fld>
             <a:endParaRPr lang="de-DE"/>
           </a:p>
@@ -3209,7 +3382,7 @@
           <a:p>
             <a:fld id="{FC9269F9-6F79-4414-A84E-D81C6C443C37}" type="datetimeFigureOut">
               <a:rPr lang="de-DE" smtClean="0"/>
-              <a:t>06.12.2019</a:t>
+              <a:t>09.12.2019</a:t>
             </a:fld>
             <a:endParaRPr lang="de-DE"/>
           </a:p>
@@ -3422,7 +3595,7 @@
           <a:p>
             <a:fld id="{FC9269F9-6F79-4414-A84E-D81C6C443C37}" type="datetimeFigureOut">
               <a:rPr lang="de-DE" smtClean="0"/>
-              <a:t>06.12.2019</a:t>
+              <a:t>09.12.2019</a:t>
             </a:fld>
             <a:endParaRPr lang="de-DE"/>
           </a:p>
@@ -3507,6 +3680,149 @@
           </a:p>
         </p:txBody>
       </p:sp>
+      <p:pic>
+        <p:nvPicPr>
+          <p:cNvPr id="7" name="Grafik 6">
+            <a:extLst>
+              <a:ext uri="{FF2B5EF4-FFF2-40B4-BE49-F238E27FC236}">
+                <a16:creationId xmlns:a16="http://schemas.microsoft.com/office/drawing/2014/main" id="{B108FE5A-1BE7-4C75-8802-264CF25CFD1D}"/>
+              </a:ext>
+            </a:extLst>
+          </p:cNvPr>
+          <p:cNvPicPr>
+            <a:picLocks noChangeAspect="1"/>
+          </p:cNvPicPr>
+          <p:nvPr userDrawn="1"/>
+        </p:nvPicPr>
+        <p:blipFill>
+          <a:blip r:embed="rId10" cstate="print">
+            <a:extLst>
+              <a:ext uri="{28A0092B-C50C-407E-A947-70E740481C1C}">
+                <a14:useLocalDpi xmlns:a14="http://schemas.microsoft.com/office/drawing/2010/main" val="0"/>
+              </a:ext>
+            </a:extLst>
+          </a:blip>
+          <a:stretch>
+            <a:fillRect/>
+          </a:stretch>
+        </p:blipFill>
+        <p:spPr>
+          <a:xfrm>
+            <a:off x="4501564" y="9267750"/>
+            <a:ext cx="1884949" cy="324000"/>
+          </a:xfrm>
+          <a:prstGeom prst="rect">
+            <a:avLst/>
+          </a:prstGeom>
+        </p:spPr>
+      </p:pic>
+      <p:pic>
+        <p:nvPicPr>
+          <p:cNvPr id="8" name="Grafik 7">
+            <a:extLst>
+              <a:ext uri="{FF2B5EF4-FFF2-40B4-BE49-F238E27FC236}">
+                <a16:creationId xmlns:a16="http://schemas.microsoft.com/office/drawing/2014/main" id="{0C61F470-EB8C-4851-872B-FB933E48AC27}"/>
+              </a:ext>
+            </a:extLst>
+          </p:cNvPr>
+          <p:cNvPicPr>
+            <a:picLocks noChangeAspect="1"/>
+          </p:cNvPicPr>
+          <p:nvPr userDrawn="1"/>
+        </p:nvPicPr>
+        <p:blipFill rotWithShape="1">
+          <a:blip r:embed="rId11" cstate="print">
+            <a:extLst>
+              <a:ext uri="{28A0092B-C50C-407E-A947-70E740481C1C}">
+                <a14:useLocalDpi xmlns:a14="http://schemas.microsoft.com/office/drawing/2010/main" val="0"/>
+              </a:ext>
+            </a:extLst>
+          </a:blip>
+          <a:srcRect t="15984" b="15885"/>
+          <a:stretch/>
+        </p:blipFill>
+        <p:spPr>
+          <a:xfrm>
+            <a:off x="471488" y="9224307"/>
+            <a:ext cx="1604044" cy="453441"/>
+          </a:xfrm>
+          <a:prstGeom prst="rect">
+            <a:avLst/>
+          </a:prstGeom>
+        </p:spPr>
+      </p:pic>
+      <p:pic>
+        <p:nvPicPr>
+          <p:cNvPr id="9" name="Grafik 8">
+            <a:extLst>
+              <a:ext uri="{FF2B5EF4-FFF2-40B4-BE49-F238E27FC236}">
+                <a16:creationId xmlns:a16="http://schemas.microsoft.com/office/drawing/2014/main" id="{12749CDB-871F-4FD0-AAC6-DD84973EA5C8}"/>
+              </a:ext>
+            </a:extLst>
+          </p:cNvPr>
+          <p:cNvPicPr>
+            <a:picLocks noChangeAspect="1"/>
+          </p:cNvPicPr>
+          <p:nvPr userDrawn="1"/>
+        </p:nvPicPr>
+        <p:blipFill>
+          <a:blip r:embed="rId12" cstate="print">
+            <a:extLst>
+              <a:ext uri="{28A0092B-C50C-407E-A947-70E740481C1C}">
+                <a14:useLocalDpi xmlns:a14="http://schemas.microsoft.com/office/drawing/2010/main" val="0"/>
+              </a:ext>
+            </a:extLst>
+          </a:blip>
+          <a:stretch>
+            <a:fillRect/>
+          </a:stretch>
+        </p:blipFill>
+        <p:spPr>
+          <a:xfrm>
+            <a:off x="2074069" y="9099550"/>
+            <a:ext cx="381000" cy="571500"/>
+          </a:xfrm>
+          <a:prstGeom prst="rect">
+            <a:avLst/>
+          </a:prstGeom>
+        </p:spPr>
+      </p:pic>
+      <p:pic>
+        <p:nvPicPr>
+          <p:cNvPr id="10" name="Grafik 9">
+            <a:extLst>
+              <a:ext uri="{FF2B5EF4-FFF2-40B4-BE49-F238E27FC236}">
+                <a16:creationId xmlns:a16="http://schemas.microsoft.com/office/drawing/2014/main" id="{A6A422B0-5066-4430-91C1-ECE4B180A3F5}"/>
+              </a:ext>
+            </a:extLst>
+          </p:cNvPr>
+          <p:cNvPicPr>
+            <a:picLocks noChangeAspect="1"/>
+          </p:cNvPicPr>
+          <p:nvPr userDrawn="1"/>
+        </p:nvPicPr>
+        <p:blipFill>
+          <a:blip r:embed="rId13" cstate="print">
+            <a:extLst>
+              <a:ext uri="{28A0092B-C50C-407E-A947-70E740481C1C}">
+                <a14:useLocalDpi xmlns:a14="http://schemas.microsoft.com/office/drawing/2010/main" val="0"/>
+              </a:ext>
+            </a:extLst>
+          </a:blip>
+          <a:stretch>
+            <a:fillRect/>
+          </a:stretch>
+        </p:blipFill>
+        <p:spPr>
+          <a:xfrm>
+            <a:off x="3590172" y="8960427"/>
+            <a:ext cx="911392" cy="911392"/>
+          </a:xfrm>
+          <a:prstGeom prst="rect">
+            <a:avLst/>
+          </a:prstGeom>
+        </p:spPr>
+      </p:pic>
     </p:spTree>
     <p:extLst>
       <p:ext uri="{BB962C8B-B14F-4D97-AF65-F5344CB8AC3E}">
